--- a/Day_1_What is statistics.pptx
+++ b/Day_1_What is statistics.pptx
@@ -135,7 +135,7 @@
   </p:defaultTextStyle>
   <p:extLst>
     <p:ext uri="{EFAFB233-063F-42B5-8137-9DF3F51BA10A}">
-      <p15:sldGuideLst xmlns:p15="http://schemas.microsoft.com/office/powerpoint/2012/main">
+      <p15:sldGuideLst xmlns="" xmlns:p15="http://schemas.microsoft.com/office/powerpoint/2012/main">
         <p15:guide id="1" orient="horz" pos="2160">
           <p15:clr>
             <a:srgbClr val="A4A3A4"/>
@@ -157,7 +157,7 @@
   <p:cmAuthor id="1" name="Mahajan, Vinay" initials="MV" lastIdx="1" clrIdx="0">
     <p:extLst>
       <p:ext uri="{19B8F6BF-5375-455C-9EA6-DF929625EA0E}">
-        <p15:presenceInfo xmlns:p15="http://schemas.microsoft.com/office/powerpoint/2012/main" userId="S-1-5-21-220523388-1563985344-839522115-179192" providerId="AD"/>
+        <p15:presenceInfo xmlns="" xmlns:p15="http://schemas.microsoft.com/office/powerpoint/2012/main" userId="S-1-5-21-220523388-1563985344-839522115-179192" providerId="AD"/>
       </p:ext>
     </p:extLst>
   </p:cmAuthor>
@@ -247,7 +247,7 @@
             <a:fld id="{5475D08A-A3E7-468D-B25F-56A8C1A55FA4}" type="datetimeFigureOut">
               <a:rPr lang="en-US" smtClean="0"/>
               <a:pPr/>
-              <a:t>7/4/2020</a:t>
+              <a:t>7/9/2020</a:t>
             </a:fld>
             <a:endParaRPr lang="en-IN"/>
           </a:p>
@@ -639,14 +639,6 @@
           <a:bodyPr/>
           <a:lstStyle/>
           <a:p>
-            <a:r>
-              <a:rPr lang="en-US" dirty="0" smtClean="0"/>
-              <a:t>Meaning of these words is political state or council of states</a:t>
-            </a:r>
-            <a:r>
-              <a:rPr lang="en-US" baseline="0" dirty="0" smtClean="0"/>
-              <a:t> or Government</a:t>
-            </a:r>
             <a:endParaRPr lang="en-US" dirty="0"/>
           </a:p>
         </p:txBody>
@@ -678,7 +670,7 @@
     </p:spTree>
     <p:extLst>
       <p:ext uri="{BB962C8B-B14F-4D97-AF65-F5344CB8AC3E}">
-        <p14:creationId xmlns:p14="http://schemas.microsoft.com/office/powerpoint/2010/main" val="2299071213"/>
+        <p14:creationId xmlns="" xmlns:p14="http://schemas.microsoft.com/office/powerpoint/2010/main" val="2299071213"/>
       </p:ext>
     </p:extLst>
   </p:cSld>
@@ -732,14 +724,6 @@
           <a:bodyPr/>
           <a:lstStyle/>
           <a:p>
-            <a:r>
-              <a:rPr lang="en-US" dirty="0" smtClean="0"/>
-              <a:t>Meaning of these words is political state or council of states</a:t>
-            </a:r>
-            <a:r>
-              <a:rPr lang="en-US" baseline="0" dirty="0" smtClean="0"/>
-              <a:t> or Government</a:t>
-            </a:r>
             <a:endParaRPr lang="en-US" dirty="0"/>
           </a:p>
         </p:txBody>
@@ -771,7 +755,7 @@
     </p:spTree>
     <p:extLst>
       <p:ext uri="{BB962C8B-B14F-4D97-AF65-F5344CB8AC3E}">
-        <p14:creationId xmlns:p14="http://schemas.microsoft.com/office/powerpoint/2010/main" val="1055443560"/>
+        <p14:creationId xmlns="" xmlns:p14="http://schemas.microsoft.com/office/powerpoint/2010/main" val="1055443560"/>
       </p:ext>
     </p:extLst>
   </p:cSld>
@@ -961,7 +945,7 @@
     </p:spTree>
     <p:extLst>
       <p:ext uri="{BB962C8B-B14F-4D97-AF65-F5344CB8AC3E}">
-        <p14:creationId xmlns:p14="http://schemas.microsoft.com/office/powerpoint/2010/main" val="3390112995"/>
+        <p14:creationId xmlns="" xmlns:p14="http://schemas.microsoft.com/office/powerpoint/2010/main" val="3390112995"/>
       </p:ext>
     </p:extLst>
   </p:cSld>
@@ -1151,7 +1135,7 @@
     </p:spTree>
     <p:extLst>
       <p:ext uri="{BB962C8B-B14F-4D97-AF65-F5344CB8AC3E}">
-        <p14:creationId xmlns:p14="http://schemas.microsoft.com/office/powerpoint/2010/main" val="2982867864"/>
+        <p14:creationId xmlns="" xmlns:p14="http://schemas.microsoft.com/office/powerpoint/2010/main" val="2982867864"/>
       </p:ext>
     </p:extLst>
   </p:cSld>
@@ -1341,7 +1325,7 @@
     </p:spTree>
     <p:extLst>
       <p:ext uri="{BB962C8B-B14F-4D97-AF65-F5344CB8AC3E}">
-        <p14:creationId xmlns:p14="http://schemas.microsoft.com/office/powerpoint/2010/main" val="2741373712"/>
+        <p14:creationId xmlns="" xmlns:p14="http://schemas.microsoft.com/office/powerpoint/2010/main" val="2741373712"/>
       </p:ext>
     </p:extLst>
   </p:cSld>
@@ -1527,7 +1511,7 @@
           <a:noFill/>
           <a:extLst>
             <a:ext uri="{909E8E84-426E-40DD-AFC4-6F175D3DCCD1}">
-              <a14:hiddenFill xmlns:a14="http://schemas.microsoft.com/office/drawing/2010/main">
+              <a14:hiddenFill xmlns="" xmlns:a14="http://schemas.microsoft.com/office/drawing/2010/main">
                 <a:solidFill>
                   <a:srgbClr val="000000"/>
                 </a:solidFill>
@@ -1547,7 +1531,7 @@
     </p:spTree>
     <p:extLst>
       <p:ext uri="{BB962C8B-B14F-4D97-AF65-F5344CB8AC3E}">
-        <p14:creationId xmlns:p14="http://schemas.microsoft.com/office/powerpoint/2010/main" val="2097759385"/>
+        <p14:creationId xmlns="" xmlns:p14="http://schemas.microsoft.com/office/powerpoint/2010/main" val="2097759385"/>
       </p:ext>
     </p:extLst>
   </p:cSld>
@@ -1739,7 +1723,7 @@
             <a:fld id="{13ED14C0-0590-4BCF-A2BF-D5E35D90D1B5}" type="datetime1">
               <a:rPr lang="en-US" smtClean="0"/>
               <a:pPr/>
-              <a:t>7/4/2020</a:t>
+              <a:t>7/9/2020</a:t>
             </a:fld>
             <a:endParaRPr lang="en-IN"/>
           </a:p>
@@ -1906,7 +1890,7 @@
             <a:fld id="{029A0199-58AE-4DE4-AFB2-A2ABA5EAB57B}" type="datetime1">
               <a:rPr lang="en-US" smtClean="0"/>
               <a:pPr/>
-              <a:t>7/4/2020</a:t>
+              <a:t>7/9/2020</a:t>
             </a:fld>
             <a:endParaRPr lang="en-IN"/>
           </a:p>
@@ -2083,7 +2067,7 @@
             <a:fld id="{500B125C-8A7E-41F9-8025-4D898F965B37}" type="datetime1">
               <a:rPr lang="en-US" smtClean="0"/>
               <a:pPr/>
-              <a:t>7/4/2020</a:t>
+              <a:t>7/9/2020</a:t>
             </a:fld>
             <a:endParaRPr lang="en-IN"/>
           </a:p>
@@ -2250,7 +2234,7 @@
             <a:fld id="{87CD8DF2-98B6-4E80-9D38-36DC8001AE63}" type="datetime1">
               <a:rPr lang="en-US" smtClean="0"/>
               <a:pPr/>
-              <a:t>7/4/2020</a:t>
+              <a:t>7/9/2020</a:t>
             </a:fld>
             <a:endParaRPr lang="en-IN"/>
           </a:p>
@@ -2493,7 +2477,7 @@
             <a:fld id="{7E1D402F-A897-41B7-941B-25AFD9808C21}" type="datetime1">
               <a:rPr lang="en-US" smtClean="0"/>
               <a:pPr/>
-              <a:t>7/4/2020</a:t>
+              <a:t>7/9/2020</a:t>
             </a:fld>
             <a:endParaRPr lang="en-IN"/>
           </a:p>
@@ -2778,7 +2762,7 @@
             <a:fld id="{51084BED-0295-41A8-9054-0FE538EDCB73}" type="datetime1">
               <a:rPr lang="en-US" smtClean="0"/>
               <a:pPr/>
-              <a:t>7/4/2020</a:t>
+              <a:t>7/9/2020</a:t>
             </a:fld>
             <a:endParaRPr lang="en-IN"/>
           </a:p>
@@ -3197,7 +3181,7 @@
             <a:fld id="{E81922EF-18FB-4FFD-AA3E-9F4D8DC6AC34}" type="datetime1">
               <a:rPr lang="en-US" smtClean="0"/>
               <a:pPr/>
-              <a:t>7/4/2020</a:t>
+              <a:t>7/9/2020</a:t>
             </a:fld>
             <a:endParaRPr lang="en-IN"/>
           </a:p>
@@ -3312,7 +3296,7 @@
             <a:fld id="{BBA7A0A7-7DC9-4816-9A02-6F6419EF6406}" type="datetime1">
               <a:rPr lang="en-US" smtClean="0"/>
               <a:pPr/>
-              <a:t>7/4/2020</a:t>
+              <a:t>7/9/2020</a:t>
             </a:fld>
             <a:endParaRPr lang="en-IN"/>
           </a:p>
@@ -3404,7 +3388,7 @@
             <a:fld id="{C4C2B463-DDCC-4352-9C6D-7FCDD1CCAB89}" type="datetime1">
               <a:rPr lang="en-US" smtClean="0"/>
               <a:pPr/>
-              <a:t>7/4/2020</a:t>
+              <a:t>7/9/2020</a:t>
             </a:fld>
             <a:endParaRPr lang="en-IN"/>
           </a:p>
@@ -3678,7 +3662,7 @@
             <a:fld id="{C09ACC42-816E-4477-8DBF-F1FC6F173BD1}" type="datetime1">
               <a:rPr lang="en-US" smtClean="0"/>
               <a:pPr/>
-              <a:t>7/4/2020</a:t>
+              <a:t>7/9/2020</a:t>
             </a:fld>
             <a:endParaRPr lang="en-IN"/>
           </a:p>
@@ -3928,7 +3912,7 @@
             <a:fld id="{AA2DE836-B689-4343-806B-EB82FF61CDC3}" type="datetime1">
               <a:rPr lang="en-US" smtClean="0"/>
               <a:pPr/>
-              <a:t>7/4/2020</a:t>
+              <a:t>7/9/2020</a:t>
             </a:fld>
             <a:endParaRPr lang="en-IN"/>
           </a:p>
@@ -4140,7 +4124,7 @@
             <a:fld id="{9A612963-3B7B-414A-BB97-F26A9A038459}" type="datetime1">
               <a:rPr lang="en-US" smtClean="0"/>
               <a:pPr/>
-              <a:t>7/4/2020</a:t>
+              <a:t>7/9/2020</a:t>
             </a:fld>
             <a:endParaRPr lang="en-IN"/>
           </a:p>
@@ -5017,7 +5001,7 @@
     </p:spTree>
     <p:extLst>
       <p:ext uri="{BB962C8B-B14F-4D97-AF65-F5344CB8AC3E}">
-        <p14:creationId xmlns:p14="http://schemas.microsoft.com/office/powerpoint/2010/main" val="1197529425"/>
+        <p14:creationId xmlns="" xmlns:p14="http://schemas.microsoft.com/office/powerpoint/2010/main" val="1197529425"/>
       </p:ext>
     </p:extLst>
   </p:cSld>
@@ -5307,7 +5291,7 @@
     </p:spTree>
     <p:extLst>
       <p:ext uri="{BB962C8B-B14F-4D97-AF65-F5344CB8AC3E}">
-        <p14:creationId xmlns:p14="http://schemas.microsoft.com/office/powerpoint/2010/main" val="2532085711"/>
+        <p14:creationId xmlns="" xmlns:p14="http://schemas.microsoft.com/office/powerpoint/2010/main" val="2532085711"/>
       </p:ext>
     </p:extLst>
   </p:cSld>
@@ -5585,21 +5569,21 @@
                 <a:gridCol w="1749425">
                   <a:extLst>
                     <a:ext uri="{9D8B030D-6E8A-4147-A177-3AD203B41FA5}">
-                      <a16:colId xmlns:a16="http://schemas.microsoft.com/office/drawing/2014/main" val="20000"/>
+                      <a16:colId xmlns="" xmlns:a16="http://schemas.microsoft.com/office/drawing/2014/main" val="20000"/>
                     </a:ext>
                   </a:extLst>
                 </a:gridCol>
                 <a:gridCol w="2111375">
                   <a:extLst>
                     <a:ext uri="{9D8B030D-6E8A-4147-A177-3AD203B41FA5}">
-                      <a16:colId xmlns:a16="http://schemas.microsoft.com/office/drawing/2014/main" val="20001"/>
+                      <a16:colId xmlns="" xmlns:a16="http://schemas.microsoft.com/office/drawing/2014/main" val="20001"/>
                     </a:ext>
                   </a:extLst>
                 </a:gridCol>
                 <a:gridCol w="3378200">
                   <a:extLst>
                     <a:ext uri="{9D8B030D-6E8A-4147-A177-3AD203B41FA5}">
-                      <a16:colId xmlns:a16="http://schemas.microsoft.com/office/drawing/2014/main" val="20002"/>
+                      <a16:colId xmlns="" xmlns:a16="http://schemas.microsoft.com/office/drawing/2014/main" val="20002"/>
                     </a:ext>
                   </a:extLst>
                 </a:gridCol>
@@ -5801,7 +5785,7 @@
                 </a:tc>
                 <a:extLst>
                   <a:ext uri="{0D108BD9-81ED-4DB2-BD59-A6C34878D82A}">
-                    <a16:rowId xmlns:a16="http://schemas.microsoft.com/office/drawing/2014/main" val="10000"/>
+                    <a16:rowId xmlns="" xmlns:a16="http://schemas.microsoft.com/office/drawing/2014/main" val="10000"/>
                   </a:ext>
                 </a:extLst>
               </a:tr>
@@ -5986,7 +5970,7 @@
                 </a:tc>
                 <a:extLst>
                   <a:ext uri="{0D108BD9-81ED-4DB2-BD59-A6C34878D82A}">
-                    <a16:rowId xmlns:a16="http://schemas.microsoft.com/office/drawing/2014/main" val="10001"/>
+                    <a16:rowId xmlns="" xmlns:a16="http://schemas.microsoft.com/office/drawing/2014/main" val="10001"/>
                   </a:ext>
                 </a:extLst>
               </a:tr>
@@ -6187,7 +6171,7 @@
                 </a:tc>
                 <a:extLst>
                   <a:ext uri="{0D108BD9-81ED-4DB2-BD59-A6C34878D82A}">
-                    <a16:rowId xmlns:a16="http://schemas.microsoft.com/office/drawing/2014/main" val="10002"/>
+                    <a16:rowId xmlns="" xmlns:a16="http://schemas.microsoft.com/office/drawing/2014/main" val="10002"/>
                   </a:ext>
                 </a:extLst>
               </a:tr>
@@ -6373,7 +6357,7 @@
                 </a:tc>
                 <a:extLst>
                   <a:ext uri="{0D108BD9-81ED-4DB2-BD59-A6C34878D82A}">
-                    <a16:rowId xmlns:a16="http://schemas.microsoft.com/office/drawing/2014/main" val="10003"/>
+                    <a16:rowId xmlns="" xmlns:a16="http://schemas.microsoft.com/office/drawing/2014/main" val="10003"/>
                   </a:ext>
                 </a:extLst>
               </a:tr>
@@ -6384,7 +6368,7 @@
     </p:spTree>
     <p:extLst>
       <p:ext uri="{BB962C8B-B14F-4D97-AF65-F5344CB8AC3E}">
-        <p14:creationId xmlns:p14="http://schemas.microsoft.com/office/powerpoint/2010/main" val="1971221251"/>
+        <p14:creationId xmlns="" xmlns:p14="http://schemas.microsoft.com/office/powerpoint/2010/main" val="1971221251"/>
       </p:ext>
     </p:extLst>
   </p:cSld>
@@ -6730,7 +6714,7 @@
     </p:spTree>
     <p:extLst>
       <p:ext uri="{BB962C8B-B14F-4D97-AF65-F5344CB8AC3E}">
-        <p14:creationId xmlns:p14="http://schemas.microsoft.com/office/powerpoint/2010/main" val="41762272"/>
+        <p14:creationId xmlns="" xmlns:p14="http://schemas.microsoft.com/office/powerpoint/2010/main" val="41762272"/>
       </p:ext>
     </p:extLst>
   </p:cSld>
@@ -7084,7 +7068,7 @@
     </p:spTree>
     <p:extLst>
       <p:ext uri="{BB962C8B-B14F-4D97-AF65-F5344CB8AC3E}">
-        <p14:creationId xmlns:p14="http://schemas.microsoft.com/office/powerpoint/2010/main" val="526866870"/>
+        <p14:creationId xmlns="" xmlns:p14="http://schemas.microsoft.com/office/powerpoint/2010/main" val="526866870"/>
       </p:ext>
     </p:extLst>
   </p:cSld>
@@ -7333,7 +7317,7 @@
     </p:spTree>
     <p:extLst>
       <p:ext uri="{BB962C8B-B14F-4D97-AF65-F5344CB8AC3E}">
-        <p14:creationId xmlns:p14="http://schemas.microsoft.com/office/powerpoint/2010/main" val="3407231270"/>
+        <p14:creationId xmlns="" xmlns:p14="http://schemas.microsoft.com/office/powerpoint/2010/main" val="3407231270"/>
       </p:ext>
     </p:extLst>
   </p:cSld>
@@ -7581,7 +7565,7 @@
     </p:spTree>
     <p:extLst>
       <p:ext uri="{BB962C8B-B14F-4D97-AF65-F5344CB8AC3E}">
-        <p14:creationId xmlns:p14="http://schemas.microsoft.com/office/powerpoint/2010/main" val="2106447200"/>
+        <p14:creationId xmlns="" xmlns:p14="http://schemas.microsoft.com/office/powerpoint/2010/main" val="2106447200"/>
       </p:ext>
     </p:extLst>
   </p:cSld>
@@ -7638,14 +7622,14 @@
           <a:effectLst/>
           <a:extLst>
             <a:ext uri="{909E8E84-426E-40DD-AFC4-6F175D3DCCD1}">
-              <a14:hiddenFill xmlns:a14="http://schemas.microsoft.com/office/drawing/2010/main">
+              <a14:hiddenFill xmlns="" xmlns:a14="http://schemas.microsoft.com/office/drawing/2010/main">
                 <a:solidFill>
                   <a:schemeClr val="accent1"/>
                 </a:solidFill>
               </a14:hiddenFill>
             </a:ext>
             <a:ext uri="{91240B29-F687-4F45-9708-019B960494DF}">
-              <a14:hiddenLine xmlns:a14="http://schemas.microsoft.com/office/drawing/2010/main" w="9525">
+              <a14:hiddenLine xmlns="" xmlns:a14="http://schemas.microsoft.com/office/drawing/2010/main" w="9525">
                 <a:solidFill>
                   <a:schemeClr val="tx1"/>
                 </a:solidFill>
@@ -7655,7 +7639,7 @@
               </a14:hiddenLine>
             </a:ext>
             <a:ext uri="{AF507438-7753-43E0-B8FC-AC1667EBCBE1}">
-              <a14:hiddenEffects xmlns:a14="http://schemas.microsoft.com/office/drawing/2010/main">
+              <a14:hiddenEffects xmlns="" xmlns:a14="http://schemas.microsoft.com/office/drawing/2010/main">
                 <a:effectLst>
                   <a:outerShdw dist="35921" dir="2700000" algn="ctr" rotWithShape="0">
                     <a:schemeClr val="bg2"/>
@@ -7794,7 +7778,7 @@
           <a:blip r:embed="rId2">
             <a:extLst>
               <a:ext uri="{28A0092B-C50C-407E-A947-70E740481C1C}">
-                <a14:useLocalDpi xmlns:a14="http://schemas.microsoft.com/office/drawing/2010/main" val="0"/>
+                <a14:useLocalDpi xmlns="" xmlns:a14="http://schemas.microsoft.com/office/drawing/2010/main" val="0"/>
               </a:ext>
             </a:extLst>
           </a:blip>
@@ -7817,14 +7801,14 @@
           </a:ln>
           <a:extLst>
             <a:ext uri="{909E8E84-426E-40DD-AFC4-6F175D3DCCD1}">
-              <a14:hiddenFill xmlns:a14="http://schemas.microsoft.com/office/drawing/2010/main">
+              <a14:hiddenFill xmlns="" xmlns:a14="http://schemas.microsoft.com/office/drawing/2010/main">
                 <a:solidFill>
                   <a:srgbClr val="FFFFFF"/>
                 </a:solidFill>
               </a14:hiddenFill>
             </a:ext>
             <a:ext uri="{91240B29-F687-4F45-9708-019B960494DF}">
-              <a14:hiddenLine xmlns:a14="http://schemas.microsoft.com/office/drawing/2010/main" w="9525">
+              <a14:hiddenLine xmlns="" xmlns:a14="http://schemas.microsoft.com/office/drawing/2010/main" w="9525">
                 <a:solidFill>
                   <a:srgbClr val="000000"/>
                 </a:solidFill>
@@ -7848,7 +7832,7 @@
           <a:blip r:embed="rId3">
             <a:extLst>
               <a:ext uri="{28A0092B-C50C-407E-A947-70E740481C1C}">
-                <a14:useLocalDpi xmlns:a14="http://schemas.microsoft.com/office/drawing/2010/main" val="0"/>
+                <a14:useLocalDpi xmlns="" xmlns:a14="http://schemas.microsoft.com/office/drawing/2010/main" val="0"/>
               </a:ext>
             </a:extLst>
           </a:blip>
@@ -7871,14 +7855,14 @@
           </a:ln>
           <a:extLst>
             <a:ext uri="{909E8E84-426E-40DD-AFC4-6F175D3DCCD1}">
-              <a14:hiddenFill xmlns:a14="http://schemas.microsoft.com/office/drawing/2010/main">
+              <a14:hiddenFill xmlns="" xmlns:a14="http://schemas.microsoft.com/office/drawing/2010/main">
                 <a:solidFill>
                   <a:srgbClr val="FFFFFF"/>
                 </a:solidFill>
               </a14:hiddenFill>
             </a:ext>
             <a:ext uri="{91240B29-F687-4F45-9708-019B960494DF}">
-              <a14:hiddenLine xmlns:a14="http://schemas.microsoft.com/office/drawing/2010/main" w="9525">
+              <a14:hiddenLine xmlns="" xmlns:a14="http://schemas.microsoft.com/office/drawing/2010/main" w="9525">
                 <a:solidFill>
                   <a:srgbClr val="000000"/>
                 </a:solidFill>
@@ -7913,14 +7897,14 @@
           <a:effectLst/>
           <a:extLst>
             <a:ext uri="{909E8E84-426E-40DD-AFC4-6F175D3DCCD1}">
-              <a14:hiddenFill xmlns:a14="http://schemas.microsoft.com/office/drawing/2010/main">
+              <a14:hiddenFill xmlns="" xmlns:a14="http://schemas.microsoft.com/office/drawing/2010/main">
                 <a:solidFill>
                   <a:schemeClr val="accent1"/>
                 </a:solidFill>
               </a14:hiddenFill>
             </a:ext>
             <a:ext uri="{91240B29-F687-4F45-9708-019B960494DF}">
-              <a14:hiddenLine xmlns:a14="http://schemas.microsoft.com/office/drawing/2010/main" w="9525">
+              <a14:hiddenLine xmlns="" xmlns:a14="http://schemas.microsoft.com/office/drawing/2010/main" w="9525">
                 <a:solidFill>
                   <a:schemeClr val="tx1"/>
                 </a:solidFill>
@@ -7930,7 +7914,7 @@
               </a14:hiddenLine>
             </a:ext>
             <a:ext uri="{AF507438-7753-43E0-B8FC-AC1667EBCBE1}">
-              <a14:hiddenEffects xmlns:a14="http://schemas.microsoft.com/office/drawing/2010/main">
+              <a14:hiddenEffects xmlns="" xmlns:a14="http://schemas.microsoft.com/office/drawing/2010/main">
                 <a:effectLst>
                   <a:outerShdw dist="35921" dir="2700000" algn="ctr" rotWithShape="0">
                     <a:schemeClr val="bg2"/>
@@ -8108,7 +8092,7 @@
     </p:spTree>
     <p:extLst>
       <p:ext uri="{BB962C8B-B14F-4D97-AF65-F5344CB8AC3E}">
-        <p14:creationId xmlns:p14="http://schemas.microsoft.com/office/powerpoint/2010/main" val="931200037"/>
+        <p14:creationId xmlns="" xmlns:p14="http://schemas.microsoft.com/office/powerpoint/2010/main" val="931200037"/>
       </p:ext>
     </p:extLst>
   </p:cSld>
@@ -8154,7 +8138,7 @@
           <a:blip r:embed="rId2">
             <a:extLst>
               <a:ext uri="{28A0092B-C50C-407E-A947-70E740481C1C}">
-                <a14:useLocalDpi xmlns:a14="http://schemas.microsoft.com/office/drawing/2010/main" val="0"/>
+                <a14:useLocalDpi xmlns="" xmlns:a14="http://schemas.microsoft.com/office/drawing/2010/main" val="0"/>
               </a:ext>
             </a:extLst>
           </a:blip>
@@ -8177,14 +8161,14 @@
           </a:ln>
           <a:extLst>
             <a:ext uri="{909E8E84-426E-40DD-AFC4-6F175D3DCCD1}">
-              <a14:hiddenFill xmlns:a14="http://schemas.microsoft.com/office/drawing/2010/main">
+              <a14:hiddenFill xmlns="" xmlns:a14="http://schemas.microsoft.com/office/drawing/2010/main">
                 <a:solidFill>
                   <a:srgbClr val="FFFFFF"/>
                 </a:solidFill>
               </a14:hiddenFill>
             </a:ext>
             <a:ext uri="{91240B29-F687-4F45-9708-019B960494DF}">
-              <a14:hiddenLine xmlns:a14="http://schemas.microsoft.com/office/drawing/2010/main" w="9525">
+              <a14:hiddenLine xmlns="" xmlns:a14="http://schemas.microsoft.com/office/drawing/2010/main" w="9525">
                 <a:solidFill>
                   <a:srgbClr val="000000"/>
                 </a:solidFill>
@@ -8219,14 +8203,14 @@
           <a:effectLst/>
           <a:extLst>
             <a:ext uri="{909E8E84-426E-40DD-AFC4-6F175D3DCCD1}">
-              <a14:hiddenFill xmlns:a14="http://schemas.microsoft.com/office/drawing/2010/main">
+              <a14:hiddenFill xmlns="" xmlns:a14="http://schemas.microsoft.com/office/drawing/2010/main">
                 <a:solidFill>
                   <a:schemeClr val="accent1"/>
                 </a:solidFill>
               </a14:hiddenFill>
             </a:ext>
             <a:ext uri="{91240B29-F687-4F45-9708-019B960494DF}">
-              <a14:hiddenLine xmlns:a14="http://schemas.microsoft.com/office/drawing/2010/main" w="9525">
+              <a14:hiddenLine xmlns="" xmlns:a14="http://schemas.microsoft.com/office/drawing/2010/main" w="9525">
                 <a:solidFill>
                   <a:schemeClr val="tx1"/>
                 </a:solidFill>
@@ -8236,7 +8220,7 @@
               </a14:hiddenLine>
             </a:ext>
             <a:ext uri="{AF507438-7753-43E0-B8FC-AC1667EBCBE1}">
-              <a14:hiddenEffects xmlns:a14="http://schemas.microsoft.com/office/drawing/2010/main">
+              <a14:hiddenEffects xmlns="" xmlns:a14="http://schemas.microsoft.com/office/drawing/2010/main">
                 <a:effectLst>
                   <a:outerShdw dist="35921" dir="2700000" algn="ctr" rotWithShape="0">
                     <a:schemeClr val="bg2"/>
@@ -8414,7 +8398,7 @@
     </p:spTree>
     <p:extLst>
       <p:ext uri="{BB962C8B-B14F-4D97-AF65-F5344CB8AC3E}">
-        <p14:creationId xmlns:p14="http://schemas.microsoft.com/office/powerpoint/2010/main" val="3145136765"/>
+        <p14:creationId xmlns="" xmlns:p14="http://schemas.microsoft.com/office/powerpoint/2010/main" val="3145136765"/>
       </p:ext>
     </p:extLst>
   </p:cSld>
@@ -8471,14 +8455,14 @@
           <a:effectLst/>
           <a:extLst>
             <a:ext uri="{909E8E84-426E-40DD-AFC4-6F175D3DCCD1}">
-              <a14:hiddenFill xmlns:a14="http://schemas.microsoft.com/office/drawing/2010/main">
+              <a14:hiddenFill xmlns="" xmlns:a14="http://schemas.microsoft.com/office/drawing/2010/main">
                 <a:solidFill>
                   <a:schemeClr val="accent1"/>
                 </a:solidFill>
               </a14:hiddenFill>
             </a:ext>
             <a:ext uri="{91240B29-F687-4F45-9708-019B960494DF}">
-              <a14:hiddenLine xmlns:a14="http://schemas.microsoft.com/office/drawing/2010/main" w="9525">
+              <a14:hiddenLine xmlns="" xmlns:a14="http://schemas.microsoft.com/office/drawing/2010/main" w="9525">
                 <a:solidFill>
                   <a:schemeClr val="tx1"/>
                 </a:solidFill>
@@ -8488,7 +8472,7 @@
               </a14:hiddenLine>
             </a:ext>
             <a:ext uri="{AF507438-7753-43E0-B8FC-AC1667EBCBE1}">
-              <a14:hiddenEffects xmlns:a14="http://schemas.microsoft.com/office/drawing/2010/main">
+              <a14:hiddenEffects xmlns="" xmlns:a14="http://schemas.microsoft.com/office/drawing/2010/main">
                 <a:effectLst>
                   <a:outerShdw dist="35921" dir="2700000" algn="ctr" rotWithShape="0">
                     <a:schemeClr val="bg2"/>
@@ -8664,14 +8648,14 @@
           <a:effectLst/>
           <a:extLst>
             <a:ext uri="{909E8E84-426E-40DD-AFC4-6F175D3DCCD1}">
-              <a14:hiddenFill xmlns:a14="http://schemas.microsoft.com/office/drawing/2010/main">
+              <a14:hiddenFill xmlns="" xmlns:a14="http://schemas.microsoft.com/office/drawing/2010/main">
                 <a:solidFill>
                   <a:schemeClr val="accent1"/>
                 </a:solidFill>
               </a14:hiddenFill>
             </a:ext>
             <a:ext uri="{91240B29-F687-4F45-9708-019B960494DF}">
-              <a14:hiddenLine xmlns:a14="http://schemas.microsoft.com/office/drawing/2010/main" w="9525">
+              <a14:hiddenLine xmlns="" xmlns:a14="http://schemas.microsoft.com/office/drawing/2010/main" w="9525">
                 <a:solidFill>
                   <a:schemeClr val="tx1"/>
                 </a:solidFill>
@@ -8681,7 +8665,7 @@
               </a14:hiddenLine>
             </a:ext>
             <a:ext uri="{AF507438-7753-43E0-B8FC-AC1667EBCBE1}">
-              <a14:hiddenEffects xmlns:a14="http://schemas.microsoft.com/office/drawing/2010/main">
+              <a14:hiddenEffects xmlns="" xmlns:a14="http://schemas.microsoft.com/office/drawing/2010/main">
                 <a:effectLst>
                   <a:outerShdw dist="35921" dir="2700000" algn="ctr" rotWithShape="0">
                     <a:schemeClr val="bg2"/>
@@ -8820,7 +8804,7 @@
           <a:blip r:embed="rId2">
             <a:extLst>
               <a:ext uri="{28A0092B-C50C-407E-A947-70E740481C1C}">
-                <a14:useLocalDpi xmlns:a14="http://schemas.microsoft.com/office/drawing/2010/main" val="0"/>
+                <a14:useLocalDpi xmlns="" xmlns:a14="http://schemas.microsoft.com/office/drawing/2010/main" val="0"/>
               </a:ext>
             </a:extLst>
           </a:blip>
@@ -8843,14 +8827,14 @@
           </a:ln>
           <a:extLst>
             <a:ext uri="{909E8E84-426E-40DD-AFC4-6F175D3DCCD1}">
-              <a14:hiddenFill xmlns:a14="http://schemas.microsoft.com/office/drawing/2010/main">
+              <a14:hiddenFill xmlns="" xmlns:a14="http://schemas.microsoft.com/office/drawing/2010/main">
                 <a:solidFill>
                   <a:srgbClr val="FFFFFF"/>
                 </a:solidFill>
               </a14:hiddenFill>
             </a:ext>
             <a:ext uri="{91240B29-F687-4F45-9708-019B960494DF}">
-              <a14:hiddenLine xmlns:a14="http://schemas.microsoft.com/office/drawing/2010/main" w="9525">
+              <a14:hiddenLine xmlns="" xmlns:a14="http://schemas.microsoft.com/office/drawing/2010/main" w="9525">
                 <a:solidFill>
                   <a:srgbClr val="000000"/>
                 </a:solidFill>
@@ -8874,7 +8858,7 @@
           <a:blip r:embed="rId3">
             <a:extLst>
               <a:ext uri="{28A0092B-C50C-407E-A947-70E740481C1C}">
-                <a14:useLocalDpi xmlns:a14="http://schemas.microsoft.com/office/drawing/2010/main" val="0"/>
+                <a14:useLocalDpi xmlns="" xmlns:a14="http://schemas.microsoft.com/office/drawing/2010/main" val="0"/>
               </a:ext>
             </a:extLst>
           </a:blip>
@@ -8897,14 +8881,14 @@
           </a:ln>
           <a:extLst>
             <a:ext uri="{909E8E84-426E-40DD-AFC4-6F175D3DCCD1}">
-              <a14:hiddenFill xmlns:a14="http://schemas.microsoft.com/office/drawing/2010/main">
+              <a14:hiddenFill xmlns="" xmlns:a14="http://schemas.microsoft.com/office/drawing/2010/main">
                 <a:solidFill>
                   <a:srgbClr val="FFFFFF"/>
                 </a:solidFill>
               </a14:hiddenFill>
             </a:ext>
             <a:ext uri="{91240B29-F687-4F45-9708-019B960494DF}">
-              <a14:hiddenLine xmlns:a14="http://schemas.microsoft.com/office/drawing/2010/main" w="9525">
+              <a14:hiddenLine xmlns="" xmlns:a14="http://schemas.microsoft.com/office/drawing/2010/main" w="9525">
                 <a:solidFill>
                   <a:srgbClr val="000000"/>
                 </a:solidFill>
@@ -8939,14 +8923,14 @@
           <a:effectLst/>
           <a:extLst>
             <a:ext uri="{909E8E84-426E-40DD-AFC4-6F175D3DCCD1}">
-              <a14:hiddenFill xmlns:a14="http://schemas.microsoft.com/office/drawing/2010/main">
+              <a14:hiddenFill xmlns="" xmlns:a14="http://schemas.microsoft.com/office/drawing/2010/main">
                 <a:solidFill>
                   <a:schemeClr val="accent2"/>
                 </a:solidFill>
               </a14:hiddenFill>
             </a:ext>
             <a:ext uri="{91240B29-F687-4F45-9708-019B960494DF}">
-              <a14:hiddenLine xmlns:a14="http://schemas.microsoft.com/office/drawing/2010/main" w="19050">
+              <a14:hiddenLine xmlns="" xmlns:a14="http://schemas.microsoft.com/office/drawing/2010/main" w="19050">
                 <a:solidFill>
                   <a:schemeClr val="tx2"/>
                 </a:solidFill>
@@ -8956,7 +8940,7 @@
               </a14:hiddenLine>
             </a:ext>
             <a:ext uri="{AF507438-7753-43E0-B8FC-AC1667EBCBE1}">
-              <a14:hiddenEffects xmlns:a14="http://schemas.microsoft.com/office/drawing/2010/main">
+              <a14:hiddenEffects xmlns="" xmlns:a14="http://schemas.microsoft.com/office/drawing/2010/main">
                 <a:effectLst>
                   <a:outerShdw dist="35921" dir="2700000" algn="ctr" rotWithShape="0">
                     <a:schemeClr val="bg2"/>
@@ -9134,7 +9118,7 @@
     </p:spTree>
     <p:extLst>
       <p:ext uri="{BB962C8B-B14F-4D97-AF65-F5344CB8AC3E}">
-        <p14:creationId xmlns:p14="http://schemas.microsoft.com/office/powerpoint/2010/main" val="510281185"/>
+        <p14:creationId xmlns="" xmlns:p14="http://schemas.microsoft.com/office/powerpoint/2010/main" val="510281185"/>
       </p:ext>
     </p:extLst>
   </p:cSld>
@@ -9254,7 +9238,7 @@
     </p:spTree>
     <p:extLst>
       <p:ext uri="{BB962C8B-B14F-4D97-AF65-F5344CB8AC3E}">
-        <p14:creationId xmlns:p14="http://schemas.microsoft.com/office/powerpoint/2010/main" val="1818009091"/>
+        <p14:creationId xmlns="" xmlns:p14="http://schemas.microsoft.com/office/powerpoint/2010/main" val="1818009091"/>
       </p:ext>
     </p:extLst>
   </p:cSld>
@@ -9440,7 +9424,7 @@
     </p:spTree>
     <p:extLst>
       <p:ext uri="{BB962C8B-B14F-4D97-AF65-F5344CB8AC3E}">
-        <p14:creationId xmlns:p14="http://schemas.microsoft.com/office/powerpoint/2010/main" val="2303405003"/>
+        <p14:creationId xmlns="" xmlns:p14="http://schemas.microsoft.com/office/powerpoint/2010/main" val="2303405003"/>
       </p:ext>
     </p:extLst>
   </p:cSld>
@@ -9585,7 +9569,7 @@
     </p:spTree>
     <p:extLst>
       <p:ext uri="{BB962C8B-B14F-4D97-AF65-F5344CB8AC3E}">
-        <p14:creationId xmlns:p14="http://schemas.microsoft.com/office/powerpoint/2010/main" val="3356947773"/>
+        <p14:creationId xmlns="" xmlns:p14="http://schemas.microsoft.com/office/powerpoint/2010/main" val="3356947773"/>
       </p:ext>
     </p:extLst>
   </p:cSld>
@@ -9732,7 +9716,7 @@
     </p:spTree>
     <p:extLst>
       <p:ext uri="{BB962C8B-B14F-4D97-AF65-F5344CB8AC3E}">
-        <p14:creationId xmlns:p14="http://schemas.microsoft.com/office/powerpoint/2010/main" val="2617985311"/>
+        <p14:creationId xmlns="" xmlns:p14="http://schemas.microsoft.com/office/powerpoint/2010/main" val="2617985311"/>
       </p:ext>
     </p:extLst>
   </p:cSld>
@@ -9794,12 +9778,12 @@
           <a:effectLst/>
           <a:extLst>
             <a:ext uri="{909E8E84-426E-40DD-AFC4-6F175D3DCCD1}">
-              <a14:hiddenFill xmlns:a14="http://schemas.microsoft.com/office/drawing/2010/main">
+              <a14:hiddenFill xmlns="" xmlns:a14="http://schemas.microsoft.com/office/drawing/2010/main">
                 <a:noFill/>
               </a14:hiddenFill>
             </a:ext>
             <a:ext uri="{AF507438-7753-43E0-B8FC-AC1667EBCBE1}">
-              <a14:hiddenEffects xmlns:a14="http://schemas.microsoft.com/office/drawing/2010/main">
+              <a14:hiddenEffects xmlns="" xmlns:a14="http://schemas.microsoft.com/office/drawing/2010/main">
                 <a:effectLst>
                   <a:outerShdw dist="35921" dir="2700000" algn="ctr" rotWithShape="0">
                     <a:schemeClr val="bg2"/>
@@ -9845,12 +9829,12 @@
           <a:effectLst/>
           <a:extLst>
             <a:ext uri="{909E8E84-426E-40DD-AFC4-6F175D3DCCD1}">
-              <a14:hiddenFill xmlns:a14="http://schemas.microsoft.com/office/drawing/2010/main">
+              <a14:hiddenFill xmlns="" xmlns:a14="http://schemas.microsoft.com/office/drawing/2010/main">
                 <a:noFill/>
               </a14:hiddenFill>
             </a:ext>
             <a:ext uri="{AF507438-7753-43E0-B8FC-AC1667EBCBE1}">
-              <a14:hiddenEffects xmlns:a14="http://schemas.microsoft.com/office/drawing/2010/main">
+              <a14:hiddenEffects xmlns="" xmlns:a14="http://schemas.microsoft.com/office/drawing/2010/main">
                 <a:effectLst>
                   <a:outerShdw dist="35921" dir="2700000" algn="ctr" rotWithShape="0">
                     <a:schemeClr val="bg2"/>
@@ -9896,12 +9880,12 @@
           <a:effectLst/>
           <a:extLst>
             <a:ext uri="{909E8E84-426E-40DD-AFC4-6F175D3DCCD1}">
-              <a14:hiddenFill xmlns:a14="http://schemas.microsoft.com/office/drawing/2010/main">
+              <a14:hiddenFill xmlns="" xmlns:a14="http://schemas.microsoft.com/office/drawing/2010/main">
                 <a:noFill/>
               </a14:hiddenFill>
             </a:ext>
             <a:ext uri="{AF507438-7753-43E0-B8FC-AC1667EBCBE1}">
-              <a14:hiddenEffects xmlns:a14="http://schemas.microsoft.com/office/drawing/2010/main">
+              <a14:hiddenEffects xmlns="" xmlns:a14="http://schemas.microsoft.com/office/drawing/2010/main">
                 <a:effectLst>
                   <a:outerShdw dist="35921" dir="2700000" algn="ctr" rotWithShape="0">
                     <a:schemeClr val="bg2"/>
@@ -9947,12 +9931,12 @@
           <a:effectLst/>
           <a:extLst>
             <a:ext uri="{909E8E84-426E-40DD-AFC4-6F175D3DCCD1}">
-              <a14:hiddenFill xmlns:a14="http://schemas.microsoft.com/office/drawing/2010/main">
+              <a14:hiddenFill xmlns="" xmlns:a14="http://schemas.microsoft.com/office/drawing/2010/main">
                 <a:noFill/>
               </a14:hiddenFill>
             </a:ext>
             <a:ext uri="{AF507438-7753-43E0-B8FC-AC1667EBCBE1}">
-              <a14:hiddenEffects xmlns:a14="http://schemas.microsoft.com/office/drawing/2010/main">
+              <a14:hiddenEffects xmlns="" xmlns:a14="http://schemas.microsoft.com/office/drawing/2010/main">
                 <a:effectLst>
                   <a:outerShdw dist="35921" dir="2700000" algn="ctr" rotWithShape="0">
                     <a:schemeClr val="bg2"/>
@@ -9992,11 +9976,7 @@
             </a:r>
             <a:r>
               <a:rPr lang="en-US" altLang="en-US" smtClean="0"/>
-              <a:t>of </a:t>
-            </a:r>
-            <a:r>
-              <a:rPr lang="en-US" altLang="en-US" smtClean="0"/>
-              <a:t>Data: </a:t>
+              <a:t>of Data: </a:t>
             </a:r>
             <a:r>
               <a:rPr lang="en-US" altLang="en-US" dirty="0" smtClean="0"/>
@@ -10035,7 +10015,7 @@
           <a:effectLst/>
           <a:extLst>
             <a:ext uri="{AF507438-7753-43E0-B8FC-AC1667EBCBE1}">
-              <a14:hiddenEffects xmlns:a14="http://schemas.microsoft.com/office/drawing/2010/main">
+              <a14:hiddenEffects xmlns="" xmlns:a14="http://schemas.microsoft.com/office/drawing/2010/main">
                 <a:effectLst>
                   <a:outerShdw dist="35921" dir="2700000" algn="ctr" rotWithShape="0">
                     <a:schemeClr val="bg2"/>
@@ -10201,7 +10181,7 @@
           <a:effectLst/>
           <a:extLst>
             <a:ext uri="{AF507438-7753-43E0-B8FC-AC1667EBCBE1}">
-              <a14:hiddenEffects xmlns:a14="http://schemas.microsoft.com/office/drawing/2010/main">
+              <a14:hiddenEffects xmlns="" xmlns:a14="http://schemas.microsoft.com/office/drawing/2010/main">
                 <a:effectLst>
                   <a:outerShdw dist="35921" dir="2700000" algn="ctr" rotWithShape="0">
                     <a:schemeClr val="bg2"/>
@@ -10367,7 +10347,7 @@
           <a:effectLst/>
           <a:extLst>
             <a:ext uri="{AF507438-7753-43E0-B8FC-AC1667EBCBE1}">
-              <a14:hiddenEffects xmlns:a14="http://schemas.microsoft.com/office/drawing/2010/main">
+              <a14:hiddenEffects xmlns="" xmlns:a14="http://schemas.microsoft.com/office/drawing/2010/main">
                 <a:effectLst>
                   <a:outerShdw dist="35921" dir="2700000" algn="ctr" rotWithShape="0">
                     <a:schemeClr val="bg2"/>
@@ -10533,7 +10513,7 @@
           <a:effectLst/>
           <a:extLst>
             <a:ext uri="{AF507438-7753-43E0-B8FC-AC1667EBCBE1}">
-              <a14:hiddenEffects xmlns:a14="http://schemas.microsoft.com/office/drawing/2010/main">
+              <a14:hiddenEffects xmlns="" xmlns:a14="http://schemas.microsoft.com/office/drawing/2010/main">
                 <a:effectLst>
                   <a:outerShdw dist="35921" dir="2700000" algn="ctr" rotWithShape="0">
                     <a:schemeClr val="bg2"/>
@@ -10699,7 +10679,7 @@
           <a:effectLst/>
           <a:extLst>
             <a:ext uri="{AF507438-7753-43E0-B8FC-AC1667EBCBE1}">
-              <a14:hiddenEffects xmlns:a14="http://schemas.microsoft.com/office/drawing/2010/main">
+              <a14:hiddenEffects xmlns="" xmlns:a14="http://schemas.microsoft.com/office/drawing/2010/main">
                 <a:effectLst>
                   <a:outerShdw dist="35921" dir="2700000" algn="ctr" rotWithShape="0">
                     <a:schemeClr val="bg2"/>
@@ -10865,7 +10845,7 @@
           <a:effectLst/>
           <a:extLst>
             <a:ext uri="{AF507438-7753-43E0-B8FC-AC1667EBCBE1}">
-              <a14:hiddenEffects xmlns:a14="http://schemas.microsoft.com/office/drawing/2010/main">
+              <a14:hiddenEffects xmlns="" xmlns:a14="http://schemas.microsoft.com/office/drawing/2010/main">
                 <a:effectLst>
                   <a:outerShdw dist="35921" dir="2700000" algn="ctr" rotWithShape="0">
                     <a:schemeClr val="bg2"/>
@@ -11031,7 +11011,7 @@
           <a:effectLst/>
           <a:extLst>
             <a:ext uri="{AF507438-7753-43E0-B8FC-AC1667EBCBE1}">
-              <a14:hiddenEffects xmlns:a14="http://schemas.microsoft.com/office/drawing/2010/main">
+              <a14:hiddenEffects xmlns="" xmlns:a14="http://schemas.microsoft.com/office/drawing/2010/main">
                 <a:effectLst>
                   <a:outerShdw dist="35921" dir="2700000" algn="ctr" rotWithShape="0">
                     <a:schemeClr val="bg2"/>
@@ -11195,12 +11175,12 @@
           <a:effectLst/>
           <a:extLst>
             <a:ext uri="{909E8E84-426E-40DD-AFC4-6F175D3DCCD1}">
-              <a14:hiddenFill xmlns:a14="http://schemas.microsoft.com/office/drawing/2010/main">
+              <a14:hiddenFill xmlns="" xmlns:a14="http://schemas.microsoft.com/office/drawing/2010/main">
                 <a:noFill/>
               </a14:hiddenFill>
             </a:ext>
             <a:ext uri="{AF507438-7753-43E0-B8FC-AC1667EBCBE1}">
-              <a14:hiddenEffects xmlns:a14="http://schemas.microsoft.com/office/drawing/2010/main">
+              <a14:hiddenEffects xmlns="" xmlns:a14="http://schemas.microsoft.com/office/drawing/2010/main">
                 <a:effectLst>
                   <a:outerShdw dist="35921" dir="2700000" algn="ctr" rotWithShape="0">
                     <a:schemeClr val="bg2"/>
@@ -11241,14 +11221,14 @@
           <a:effectLst/>
           <a:extLst>
             <a:ext uri="{909E8E84-426E-40DD-AFC4-6F175D3DCCD1}">
-              <a14:hiddenFill xmlns:a14="http://schemas.microsoft.com/office/drawing/2010/main">
+              <a14:hiddenFill xmlns="" xmlns:a14="http://schemas.microsoft.com/office/drawing/2010/main">
                 <a:solidFill>
                   <a:srgbClr val="000000"/>
                 </a:solidFill>
               </a14:hiddenFill>
             </a:ext>
             <a:ext uri="{91240B29-F687-4F45-9708-019B960494DF}">
-              <a14:hiddenLine xmlns:a14="http://schemas.microsoft.com/office/drawing/2010/main" w="9525">
+              <a14:hiddenLine xmlns="" xmlns:a14="http://schemas.microsoft.com/office/drawing/2010/main" w="9525">
                 <a:solidFill>
                   <a:srgbClr val="000000"/>
                 </a:solidFill>
@@ -11258,7 +11238,7 @@
               </a14:hiddenLine>
             </a:ext>
             <a:ext uri="{AF507438-7753-43E0-B8FC-AC1667EBCBE1}">
-              <a14:hiddenEffects xmlns:a14="http://schemas.microsoft.com/office/drawing/2010/main">
+              <a14:hiddenEffects xmlns="" xmlns:a14="http://schemas.microsoft.com/office/drawing/2010/main">
                 <a:effectLst>
                   <a:outerShdw dist="35921" dir="2700000" algn="ctr" rotWithShape="0">
                     <a:schemeClr val="bg2"/>
@@ -11497,14 +11477,14 @@
           <a:effectLst/>
           <a:extLst>
             <a:ext uri="{909E8E84-426E-40DD-AFC4-6F175D3DCCD1}">
-              <a14:hiddenFill xmlns:a14="http://schemas.microsoft.com/office/drawing/2010/main">
+              <a14:hiddenFill xmlns="" xmlns:a14="http://schemas.microsoft.com/office/drawing/2010/main">
                 <a:solidFill>
                   <a:schemeClr val="accent2"/>
                 </a:solidFill>
               </a14:hiddenFill>
             </a:ext>
             <a:ext uri="{91240B29-F687-4F45-9708-019B960494DF}">
-              <a14:hiddenLine xmlns:a14="http://schemas.microsoft.com/office/drawing/2010/main" w="19050">
+              <a14:hiddenLine xmlns="" xmlns:a14="http://schemas.microsoft.com/office/drawing/2010/main" w="19050">
                 <a:solidFill>
                   <a:schemeClr val="tx2"/>
                 </a:solidFill>
@@ -11514,7 +11494,7 @@
               </a14:hiddenLine>
             </a:ext>
             <a:ext uri="{AF507438-7753-43E0-B8FC-AC1667EBCBE1}">
-              <a14:hiddenEffects xmlns:a14="http://schemas.microsoft.com/office/drawing/2010/main">
+              <a14:hiddenEffects xmlns="" xmlns:a14="http://schemas.microsoft.com/office/drawing/2010/main">
                 <a:effectLst>
                   <a:outerShdw dist="35921" dir="2700000" algn="ctr" rotWithShape="0">
                     <a:schemeClr val="bg2"/>
@@ -11672,14 +11652,14 @@
           <a:effectLst/>
           <a:extLst>
             <a:ext uri="{909E8E84-426E-40DD-AFC4-6F175D3DCCD1}">
-              <a14:hiddenFill xmlns:a14="http://schemas.microsoft.com/office/drawing/2010/main">
+              <a14:hiddenFill xmlns="" xmlns:a14="http://schemas.microsoft.com/office/drawing/2010/main">
                 <a:solidFill>
                   <a:schemeClr val="accent2"/>
                 </a:solidFill>
               </a14:hiddenFill>
             </a:ext>
             <a:ext uri="{91240B29-F687-4F45-9708-019B960494DF}">
-              <a14:hiddenLine xmlns:a14="http://schemas.microsoft.com/office/drawing/2010/main" w="19050">
+              <a14:hiddenLine xmlns="" xmlns:a14="http://schemas.microsoft.com/office/drawing/2010/main" w="19050">
                 <a:solidFill>
                   <a:schemeClr val="tx2"/>
                 </a:solidFill>
@@ -11689,7 +11669,7 @@
               </a14:hiddenLine>
             </a:ext>
             <a:ext uri="{AF507438-7753-43E0-B8FC-AC1667EBCBE1}">
-              <a14:hiddenEffects xmlns:a14="http://schemas.microsoft.com/office/drawing/2010/main">
+              <a14:hiddenEffects xmlns="" xmlns:a14="http://schemas.microsoft.com/office/drawing/2010/main">
                 <a:effectLst>
                   <a:outerShdw dist="35921" dir="2700000" algn="ctr" rotWithShape="0">
                     <a:schemeClr val="bg2"/>
@@ -11854,14 +11834,14 @@
           <a:effectLst/>
           <a:extLst>
             <a:ext uri="{909E8E84-426E-40DD-AFC4-6F175D3DCCD1}">
-              <a14:hiddenFill xmlns:a14="http://schemas.microsoft.com/office/drawing/2010/main">
+              <a14:hiddenFill xmlns="" xmlns:a14="http://schemas.microsoft.com/office/drawing/2010/main">
                 <a:solidFill>
                   <a:schemeClr val="accent2"/>
                 </a:solidFill>
               </a14:hiddenFill>
             </a:ext>
             <a:ext uri="{91240B29-F687-4F45-9708-019B960494DF}">
-              <a14:hiddenLine xmlns:a14="http://schemas.microsoft.com/office/drawing/2010/main" w="19050">
+              <a14:hiddenLine xmlns="" xmlns:a14="http://schemas.microsoft.com/office/drawing/2010/main" w="19050">
                 <a:solidFill>
                   <a:schemeClr val="tx2"/>
                 </a:solidFill>
@@ -11871,7 +11851,7 @@
               </a14:hiddenLine>
             </a:ext>
             <a:ext uri="{AF507438-7753-43E0-B8FC-AC1667EBCBE1}">
-              <a14:hiddenEffects xmlns:a14="http://schemas.microsoft.com/office/drawing/2010/main">
+              <a14:hiddenEffects xmlns="" xmlns:a14="http://schemas.microsoft.com/office/drawing/2010/main">
                 <a:effectLst>
                   <a:outerShdw dist="35921" dir="2700000" algn="ctr" rotWithShape="0">
                     <a:schemeClr val="bg2"/>
@@ -12029,14 +12009,14 @@
           <a:effectLst/>
           <a:extLst>
             <a:ext uri="{909E8E84-426E-40DD-AFC4-6F175D3DCCD1}">
-              <a14:hiddenFill xmlns:a14="http://schemas.microsoft.com/office/drawing/2010/main">
+              <a14:hiddenFill xmlns="" xmlns:a14="http://schemas.microsoft.com/office/drawing/2010/main">
                 <a:solidFill>
                   <a:schemeClr val="accent2"/>
                 </a:solidFill>
               </a14:hiddenFill>
             </a:ext>
             <a:ext uri="{91240B29-F687-4F45-9708-019B960494DF}">
-              <a14:hiddenLine xmlns:a14="http://schemas.microsoft.com/office/drawing/2010/main" w="19050">
+              <a14:hiddenLine xmlns="" xmlns:a14="http://schemas.microsoft.com/office/drawing/2010/main" w="19050">
                 <a:solidFill>
                   <a:schemeClr val="tx2"/>
                 </a:solidFill>
@@ -12046,7 +12026,7 @@
               </a14:hiddenLine>
             </a:ext>
             <a:ext uri="{AF507438-7753-43E0-B8FC-AC1667EBCBE1}">
-              <a14:hiddenEffects xmlns:a14="http://schemas.microsoft.com/office/drawing/2010/main">
+              <a14:hiddenEffects xmlns="" xmlns:a14="http://schemas.microsoft.com/office/drawing/2010/main">
                 <a:effectLst>
                   <a:outerShdw dist="35921" dir="2700000" algn="ctr" rotWithShape="0">
                     <a:schemeClr val="bg2"/>
@@ -12218,14 +12198,14 @@
           <a:effectLst/>
           <a:extLst>
             <a:ext uri="{909E8E84-426E-40DD-AFC4-6F175D3DCCD1}">
-              <a14:hiddenFill xmlns:a14="http://schemas.microsoft.com/office/drawing/2010/main">
+              <a14:hiddenFill xmlns="" xmlns:a14="http://schemas.microsoft.com/office/drawing/2010/main">
                 <a:solidFill>
                   <a:schemeClr val="accent2"/>
                 </a:solidFill>
               </a14:hiddenFill>
             </a:ext>
             <a:ext uri="{91240B29-F687-4F45-9708-019B960494DF}">
-              <a14:hiddenLine xmlns:a14="http://schemas.microsoft.com/office/drawing/2010/main" w="19050">
+              <a14:hiddenLine xmlns="" xmlns:a14="http://schemas.microsoft.com/office/drawing/2010/main" w="19050">
                 <a:solidFill>
                   <a:schemeClr val="tx2"/>
                 </a:solidFill>
@@ -12235,7 +12215,7 @@
               </a14:hiddenLine>
             </a:ext>
             <a:ext uri="{AF507438-7753-43E0-B8FC-AC1667EBCBE1}">
-              <a14:hiddenEffects xmlns:a14="http://schemas.microsoft.com/office/drawing/2010/main">
+              <a14:hiddenEffects xmlns="" xmlns:a14="http://schemas.microsoft.com/office/drawing/2010/main">
                 <a:effectLst>
                   <a:outerShdw dist="35921" dir="2700000" algn="ctr" rotWithShape="0">
                     <a:schemeClr val="bg2"/>
@@ -12400,14 +12380,14 @@
           <a:effectLst/>
           <a:extLst>
             <a:ext uri="{909E8E84-426E-40DD-AFC4-6F175D3DCCD1}">
-              <a14:hiddenFill xmlns:a14="http://schemas.microsoft.com/office/drawing/2010/main">
+              <a14:hiddenFill xmlns="" xmlns:a14="http://schemas.microsoft.com/office/drawing/2010/main">
                 <a:solidFill>
                   <a:schemeClr val="accent2"/>
                 </a:solidFill>
               </a14:hiddenFill>
             </a:ext>
             <a:ext uri="{91240B29-F687-4F45-9708-019B960494DF}">
-              <a14:hiddenLine xmlns:a14="http://schemas.microsoft.com/office/drawing/2010/main" w="19050">
+              <a14:hiddenLine xmlns="" xmlns:a14="http://schemas.microsoft.com/office/drawing/2010/main" w="19050">
                 <a:solidFill>
                   <a:schemeClr val="tx2"/>
                 </a:solidFill>
@@ -12417,7 +12397,7 @@
               </a14:hiddenLine>
             </a:ext>
             <a:ext uri="{AF507438-7753-43E0-B8FC-AC1667EBCBE1}">
-              <a14:hiddenEffects xmlns:a14="http://schemas.microsoft.com/office/drawing/2010/main">
+              <a14:hiddenEffects xmlns="" xmlns:a14="http://schemas.microsoft.com/office/drawing/2010/main">
                 <a:effectLst>
                   <a:outerShdw dist="35921" dir="2700000" algn="ctr" rotWithShape="0">
                     <a:schemeClr val="bg2"/>
@@ -12562,7 +12542,7 @@
     </p:spTree>
     <p:extLst>
       <p:ext uri="{BB962C8B-B14F-4D97-AF65-F5344CB8AC3E}">
-        <p14:creationId xmlns:p14="http://schemas.microsoft.com/office/powerpoint/2010/main" val="646316472"/>
+        <p14:creationId xmlns="" xmlns:p14="http://schemas.microsoft.com/office/powerpoint/2010/main" val="646316472"/>
       </p:ext>
     </p:extLst>
   </p:cSld>
@@ -12777,14 +12757,14 @@
             </a:ln>
             <a:extLst>
               <a:ext uri="{909E8E84-426E-40DD-AFC4-6F175D3DCCD1}">
-                <a14:hiddenFill xmlns:a14="http://schemas.microsoft.com/office/drawing/2010/main">
+                <a14:hiddenFill xmlns="" xmlns:a14="http://schemas.microsoft.com/office/drawing/2010/main">
                   <a:solidFill>
                     <a:srgbClr val="FFFFFF"/>
                   </a:solidFill>
                 </a14:hiddenFill>
               </a:ext>
               <a:ext uri="{91240B29-F687-4F45-9708-019B960494DF}">
-                <a14:hiddenLine xmlns:a14="http://schemas.microsoft.com/office/drawing/2010/main" w="9525">
+                <a14:hiddenLine xmlns="" xmlns:a14="http://schemas.microsoft.com/office/drawing/2010/main" w="9525">
                   <a:solidFill>
                     <a:srgbClr val="000000"/>
                   </a:solidFill>
@@ -12929,12 +12909,12 @@
             <a:effectLst/>
             <a:extLst>
               <a:ext uri="{909E8E84-426E-40DD-AFC4-6F175D3DCCD1}">
-                <a14:hiddenFill xmlns:a14="http://schemas.microsoft.com/office/drawing/2010/main">
+                <a14:hiddenFill xmlns="" xmlns:a14="http://schemas.microsoft.com/office/drawing/2010/main">
                   <a:noFill/>
                 </a14:hiddenFill>
               </a:ext>
               <a:ext uri="{AF507438-7753-43E0-B8FC-AC1667EBCBE1}">
-                <a14:hiddenEffects xmlns:a14="http://schemas.microsoft.com/office/drawing/2010/main">
+                <a14:hiddenEffects xmlns="" xmlns:a14="http://schemas.microsoft.com/office/drawing/2010/main">
                   <a:effectLst>
                     <a:outerShdw dist="35921" dir="2700000" algn="ctr" rotWithShape="0">
                       <a:srgbClr val="1C1C1C"/>
@@ -12980,12 +12960,12 @@
             <a:effectLst/>
             <a:extLst>
               <a:ext uri="{909E8E84-426E-40DD-AFC4-6F175D3DCCD1}">
-                <a14:hiddenFill xmlns:a14="http://schemas.microsoft.com/office/drawing/2010/main">
+                <a14:hiddenFill xmlns="" xmlns:a14="http://schemas.microsoft.com/office/drawing/2010/main">
                   <a:noFill/>
                 </a14:hiddenFill>
               </a:ext>
               <a:ext uri="{AF507438-7753-43E0-B8FC-AC1667EBCBE1}">
-                <a14:hiddenEffects xmlns:a14="http://schemas.microsoft.com/office/drawing/2010/main">
+                <a14:hiddenEffects xmlns="" xmlns:a14="http://schemas.microsoft.com/office/drawing/2010/main">
                   <a:effectLst>
                     <a:outerShdw dist="35921" dir="2700000" algn="ctr" rotWithShape="0">
                       <a:srgbClr val="1C1C1C"/>
@@ -13033,7 +13013,7 @@
             <a:effectLst/>
             <a:extLst>
               <a:ext uri="{AF507438-7753-43E0-B8FC-AC1667EBCBE1}">
-                <a14:hiddenEffects xmlns:a14="http://schemas.microsoft.com/office/drawing/2010/main">
+                <a14:hiddenEffects xmlns="" xmlns:a14="http://schemas.microsoft.com/office/drawing/2010/main">
                   <a:effectLst>
                     <a:outerShdw dist="35921" dir="2700000" algn="ctr" rotWithShape="0">
                       <a:srgbClr val="1C1C1C"/>
@@ -13191,12 +13171,12 @@
             <a:effectLst/>
             <a:extLst>
               <a:ext uri="{909E8E84-426E-40DD-AFC4-6F175D3DCCD1}">
-                <a14:hiddenFill xmlns:a14="http://schemas.microsoft.com/office/drawing/2010/main">
+                <a14:hiddenFill xmlns="" xmlns:a14="http://schemas.microsoft.com/office/drawing/2010/main">
                   <a:noFill/>
                 </a14:hiddenFill>
               </a:ext>
               <a:ext uri="{AF507438-7753-43E0-B8FC-AC1667EBCBE1}">
-                <a14:hiddenEffects xmlns:a14="http://schemas.microsoft.com/office/drawing/2010/main">
+                <a14:hiddenEffects xmlns="" xmlns:a14="http://schemas.microsoft.com/office/drawing/2010/main">
                   <a:effectLst>
                     <a:outerShdw dist="35921" dir="2700000" algn="ctr" rotWithShape="0">
                       <a:srgbClr val="1C1C1C"/>
@@ -13244,7 +13224,7 @@
             <a:effectLst/>
             <a:extLst>
               <a:ext uri="{AF507438-7753-43E0-B8FC-AC1667EBCBE1}">
-                <a14:hiddenEffects xmlns:a14="http://schemas.microsoft.com/office/drawing/2010/main">
+                <a14:hiddenEffects xmlns="" xmlns:a14="http://schemas.microsoft.com/office/drawing/2010/main">
                   <a:effectLst>
                     <a:outerShdw dist="35921" dir="2700000" algn="ctr" rotWithShape="0">
                       <a:srgbClr val="1C1C1C"/>
@@ -13404,7 +13384,7 @@
             <a:effectLst/>
             <a:extLst>
               <a:ext uri="{AF507438-7753-43E0-B8FC-AC1667EBCBE1}">
-                <a14:hiddenEffects xmlns:a14="http://schemas.microsoft.com/office/drawing/2010/main">
+                <a14:hiddenEffects xmlns="" xmlns:a14="http://schemas.microsoft.com/office/drawing/2010/main">
                   <a:effectLst>
                     <a:outerShdw dist="35921" dir="2700000" algn="ctr" rotWithShape="0">
                       <a:srgbClr val="1C1C1C"/>
@@ -13564,7 +13544,7 @@
             <a:effectLst/>
             <a:extLst>
               <a:ext uri="{AF507438-7753-43E0-B8FC-AC1667EBCBE1}">
-                <a14:hiddenEffects xmlns:a14="http://schemas.microsoft.com/office/drawing/2010/main">
+                <a14:hiddenEffects xmlns="" xmlns:a14="http://schemas.microsoft.com/office/drawing/2010/main">
                   <a:effectLst>
                     <a:outerShdw dist="35921" dir="2700000" algn="ctr" rotWithShape="0">
                       <a:srgbClr val="1C1C1C"/>
@@ -13724,7 +13704,7 @@
             <a:effectLst/>
             <a:extLst>
               <a:ext uri="{AF507438-7753-43E0-B8FC-AC1667EBCBE1}">
-                <a14:hiddenEffects xmlns:a14="http://schemas.microsoft.com/office/drawing/2010/main">
+                <a14:hiddenEffects xmlns="" xmlns:a14="http://schemas.microsoft.com/office/drawing/2010/main">
                   <a:effectLst>
                     <a:outerShdw dist="35921" dir="2700000" algn="ctr" rotWithShape="0">
                       <a:srgbClr val="1C1C1C"/>
@@ -13884,7 +13864,7 @@
             <a:effectLst/>
             <a:extLst>
               <a:ext uri="{AF507438-7753-43E0-B8FC-AC1667EBCBE1}">
-                <a14:hiddenEffects xmlns:a14="http://schemas.microsoft.com/office/drawing/2010/main">
+                <a14:hiddenEffects xmlns="" xmlns:a14="http://schemas.microsoft.com/office/drawing/2010/main">
                   <a:effectLst>
                     <a:outerShdw dist="35921" dir="2700000" algn="ctr" rotWithShape="0">
                       <a:srgbClr val="1C1C1C"/>
@@ -14044,7 +14024,7 @@
             <a:effectLst/>
             <a:extLst>
               <a:ext uri="{AF507438-7753-43E0-B8FC-AC1667EBCBE1}">
-                <a14:hiddenEffects xmlns:a14="http://schemas.microsoft.com/office/drawing/2010/main">
+                <a14:hiddenEffects xmlns="" xmlns:a14="http://schemas.microsoft.com/office/drawing/2010/main">
                   <a:effectLst>
                     <a:outerShdw dist="35921" dir="2700000" algn="ctr" rotWithShape="0">
                       <a:srgbClr val="1C1C1C"/>
@@ -14202,12 +14182,12 @@
             <a:effectLst/>
             <a:extLst>
               <a:ext uri="{909E8E84-426E-40DD-AFC4-6F175D3DCCD1}">
-                <a14:hiddenFill xmlns:a14="http://schemas.microsoft.com/office/drawing/2010/main">
+                <a14:hiddenFill xmlns="" xmlns:a14="http://schemas.microsoft.com/office/drawing/2010/main">
                   <a:noFill/>
                 </a14:hiddenFill>
               </a:ext>
               <a:ext uri="{AF507438-7753-43E0-B8FC-AC1667EBCBE1}">
-                <a14:hiddenEffects xmlns:a14="http://schemas.microsoft.com/office/drawing/2010/main">
+                <a14:hiddenEffects xmlns="" xmlns:a14="http://schemas.microsoft.com/office/drawing/2010/main">
                   <a:effectLst>
                     <a:outerShdw dist="35921" dir="2700000" algn="ctr" rotWithShape="0">
                       <a:srgbClr val="1C1C1C"/>
@@ -14255,7 +14235,7 @@
             <a:effectLst/>
             <a:extLst>
               <a:ext uri="{AF507438-7753-43E0-B8FC-AC1667EBCBE1}">
-                <a14:hiddenEffects xmlns:a14="http://schemas.microsoft.com/office/drawing/2010/main">
+                <a14:hiddenEffects xmlns="" xmlns:a14="http://schemas.microsoft.com/office/drawing/2010/main">
                   <a:effectLst>
                     <a:outerShdw dist="35921" dir="2700000" algn="ctr" rotWithShape="0">
                       <a:srgbClr val="1C1C1C"/>
@@ -14415,7 +14395,7 @@
             <a:effectLst/>
             <a:extLst>
               <a:ext uri="{AF507438-7753-43E0-B8FC-AC1667EBCBE1}">
-                <a14:hiddenEffects xmlns:a14="http://schemas.microsoft.com/office/drawing/2010/main">
+                <a14:hiddenEffects xmlns="" xmlns:a14="http://schemas.microsoft.com/office/drawing/2010/main">
                   <a:effectLst>
                     <a:outerShdw dist="35921" dir="2700000" algn="ctr" rotWithShape="0">
                       <a:srgbClr val="1C1C1C"/>
@@ -14573,7 +14553,7 @@
             <a:effectLst/>
             <a:extLst>
               <a:ext uri="{AF507438-7753-43E0-B8FC-AC1667EBCBE1}">
-                <a14:hiddenEffects xmlns:a14="http://schemas.microsoft.com/office/drawing/2010/main">
+                <a14:hiddenEffects xmlns="" xmlns:a14="http://schemas.microsoft.com/office/drawing/2010/main">
                   <a:effectLst>
                     <a:outerShdw dist="35921" dir="2700000" algn="ctr" rotWithShape="0">
                       <a:srgbClr val="1C1C1C"/>
@@ -14733,7 +14713,7 @@
             <a:effectLst/>
             <a:extLst>
               <a:ext uri="{AF507438-7753-43E0-B8FC-AC1667EBCBE1}">
-                <a14:hiddenEffects xmlns:a14="http://schemas.microsoft.com/office/drawing/2010/main">
+                <a14:hiddenEffects xmlns="" xmlns:a14="http://schemas.microsoft.com/office/drawing/2010/main">
                   <a:effectLst>
                     <a:outerShdw dist="35921" dir="2700000" algn="ctr" rotWithShape="0">
                       <a:srgbClr val="1C1C1C"/>
@@ -14893,7 +14873,7 @@
             <a:effectLst/>
             <a:extLst>
               <a:ext uri="{AF507438-7753-43E0-B8FC-AC1667EBCBE1}">
-                <a14:hiddenEffects xmlns:a14="http://schemas.microsoft.com/office/drawing/2010/main">
+                <a14:hiddenEffects xmlns="" xmlns:a14="http://schemas.microsoft.com/office/drawing/2010/main">
                   <a:effectLst>
                     <a:outerShdw dist="35921" dir="2700000" algn="ctr" rotWithShape="0">
                       <a:srgbClr val="1C1C1C"/>
@@ -15053,7 +15033,7 @@
             <a:effectLst/>
             <a:extLst>
               <a:ext uri="{AF507438-7753-43E0-B8FC-AC1667EBCBE1}">
-                <a14:hiddenEffects xmlns:a14="http://schemas.microsoft.com/office/drawing/2010/main">
+                <a14:hiddenEffects xmlns="" xmlns:a14="http://schemas.microsoft.com/office/drawing/2010/main">
                   <a:effectLst>
                     <a:outerShdw dist="35921" dir="2700000" algn="ctr" rotWithShape="0">
                       <a:srgbClr val="1C1C1C"/>
@@ -15213,7 +15193,7 @@
             <a:effectLst/>
             <a:extLst>
               <a:ext uri="{AF507438-7753-43E0-B8FC-AC1667EBCBE1}">
-                <a14:hiddenEffects xmlns:a14="http://schemas.microsoft.com/office/drawing/2010/main">
+                <a14:hiddenEffects xmlns="" xmlns:a14="http://schemas.microsoft.com/office/drawing/2010/main">
                   <a:effectLst>
                     <a:outerShdw dist="35921" dir="2700000" algn="ctr" rotWithShape="0">
                       <a:srgbClr val="1C1C1C"/>
@@ -15347,7 +15327,7 @@
     </p:spTree>
     <p:extLst>
       <p:ext uri="{BB962C8B-B14F-4D97-AF65-F5344CB8AC3E}">
-        <p14:creationId xmlns:p14="http://schemas.microsoft.com/office/powerpoint/2010/main" val="2827231052"/>
+        <p14:creationId xmlns="" xmlns:p14="http://schemas.microsoft.com/office/powerpoint/2010/main" val="2827231052"/>
       </p:ext>
     </p:extLst>
   </p:cSld>
@@ -15432,7 +15412,7 @@
     </p:spTree>
     <p:extLst>
       <p:ext uri="{BB962C8B-B14F-4D97-AF65-F5344CB8AC3E}">
-        <p14:creationId xmlns:p14="http://schemas.microsoft.com/office/powerpoint/2010/main" val="3470260983"/>
+        <p14:creationId xmlns="" xmlns:p14="http://schemas.microsoft.com/office/powerpoint/2010/main" val="3470260983"/>
       </p:ext>
     </p:extLst>
   </p:cSld>
@@ -15545,7 +15525,7 @@
     </p:spTree>
     <p:extLst>
       <p:ext uri="{BB962C8B-B14F-4D97-AF65-F5344CB8AC3E}">
-        <p14:creationId xmlns:p14="http://schemas.microsoft.com/office/powerpoint/2010/main" val="3862426347"/>
+        <p14:creationId xmlns="" xmlns:p14="http://schemas.microsoft.com/office/powerpoint/2010/main" val="3862426347"/>
       </p:ext>
     </p:extLst>
   </p:cSld>
@@ -15625,7 +15605,7 @@
           <a:p>
             <a:r>
               <a:rPr lang="en-US" dirty="0" smtClean="0"/>
-              <a:t>Save these with the following name “Day_1_assignemt1_yourname.doc”</a:t>
+              <a:t>Save these with the following name “Day_1_assignment1_yourname.doc”</a:t>
             </a:r>
           </a:p>
           <a:p>
@@ -15638,10 +15618,10 @@
               <a:t>github</a:t>
             </a:r>
             <a:r>
-              <a:rPr lang="en-US" smtClean="0"/>
+              <a:rPr lang="en-US" dirty="0" smtClean="0"/>
               <a:t> folder.</a:t>
             </a:r>
-            <a:endParaRPr lang="en-US"/>
+            <a:endParaRPr lang="en-US" dirty="0"/>
           </a:p>
         </p:txBody>
       </p:sp>
@@ -15672,7 +15652,7 @@
     </p:spTree>
     <p:extLst>
       <p:ext uri="{BB962C8B-B14F-4D97-AF65-F5344CB8AC3E}">
-        <p14:creationId xmlns:p14="http://schemas.microsoft.com/office/powerpoint/2010/main" val="803098059"/>
+        <p14:creationId xmlns="" xmlns:p14="http://schemas.microsoft.com/office/powerpoint/2010/main" val="803098059"/>
       </p:ext>
     </p:extLst>
   </p:cSld>
@@ -15792,7 +15772,7 @@
     </p:spTree>
     <p:extLst>
       <p:ext uri="{BB962C8B-B14F-4D97-AF65-F5344CB8AC3E}">
-        <p14:creationId xmlns:p14="http://schemas.microsoft.com/office/powerpoint/2010/main" val="4067803949"/>
+        <p14:creationId xmlns="" xmlns:p14="http://schemas.microsoft.com/office/powerpoint/2010/main" val="4067803949"/>
       </p:ext>
     </p:extLst>
   </p:cSld>
@@ -15877,7 +15857,7 @@
     </p:spTree>
     <p:extLst>
       <p:ext uri="{BB962C8B-B14F-4D97-AF65-F5344CB8AC3E}">
-        <p14:creationId xmlns:p14="http://schemas.microsoft.com/office/powerpoint/2010/main" val="1557465992"/>
+        <p14:creationId xmlns="" xmlns:p14="http://schemas.microsoft.com/office/powerpoint/2010/main" val="1557465992"/>
       </p:ext>
     </p:extLst>
   </p:cSld>
@@ -16121,7 +16101,7 @@
           <p:nvPr/>
         </p:nvPicPr>
         <p:blipFill>
-          <a:blip r:embed="rId3"/>
+          <a:blip r:embed="rId3" cstate="print"/>
           <a:stretch>
             <a:fillRect/>
           </a:stretch>
@@ -16201,7 +16181,7 @@
     </p:spTree>
     <p:extLst>
       <p:ext uri="{BB962C8B-B14F-4D97-AF65-F5344CB8AC3E}">
-        <p14:creationId xmlns:p14="http://schemas.microsoft.com/office/powerpoint/2010/main" val="3153137892"/>
+        <p14:creationId xmlns="" xmlns:p14="http://schemas.microsoft.com/office/powerpoint/2010/main" val="3153137892"/>
       </p:ext>
     </p:extLst>
   </p:cSld>
@@ -16472,7 +16452,7 @@
     </p:spTree>
     <p:extLst>
       <p:ext uri="{BB962C8B-B14F-4D97-AF65-F5344CB8AC3E}">
-        <p14:creationId xmlns:p14="http://schemas.microsoft.com/office/powerpoint/2010/main" val="1441209736"/>
+        <p14:creationId xmlns="" xmlns:p14="http://schemas.microsoft.com/office/powerpoint/2010/main" val="1441209736"/>
       </p:ext>
     </p:extLst>
   </p:cSld>
@@ -16800,7 +16780,7 @@
     </p:spTree>
     <p:extLst>
       <p:ext uri="{BB962C8B-B14F-4D97-AF65-F5344CB8AC3E}">
-        <p14:creationId xmlns:p14="http://schemas.microsoft.com/office/powerpoint/2010/main" val="1799436187"/>
+        <p14:creationId xmlns="" xmlns:p14="http://schemas.microsoft.com/office/powerpoint/2010/main" val="1799436187"/>
       </p:ext>
     </p:extLst>
   </p:cSld>
@@ -17061,21 +17041,21 @@
                 <a:gridCol w="1749425">
                   <a:extLst>
                     <a:ext uri="{9D8B030D-6E8A-4147-A177-3AD203B41FA5}">
-                      <a16:colId xmlns:a16="http://schemas.microsoft.com/office/drawing/2014/main" val="20000"/>
+                      <a16:colId xmlns="" xmlns:a16="http://schemas.microsoft.com/office/drawing/2014/main" val="20000"/>
                     </a:ext>
                   </a:extLst>
                 </a:gridCol>
                 <a:gridCol w="2111375">
                   <a:extLst>
                     <a:ext uri="{9D8B030D-6E8A-4147-A177-3AD203B41FA5}">
-                      <a16:colId xmlns:a16="http://schemas.microsoft.com/office/drawing/2014/main" val="20001"/>
+                      <a16:colId xmlns="" xmlns:a16="http://schemas.microsoft.com/office/drawing/2014/main" val="20001"/>
                     </a:ext>
                   </a:extLst>
                 </a:gridCol>
                 <a:gridCol w="3378200">
                   <a:extLst>
                     <a:ext uri="{9D8B030D-6E8A-4147-A177-3AD203B41FA5}">
-                      <a16:colId xmlns:a16="http://schemas.microsoft.com/office/drawing/2014/main" val="20002"/>
+                      <a16:colId xmlns="" xmlns:a16="http://schemas.microsoft.com/office/drawing/2014/main" val="20002"/>
                     </a:ext>
                   </a:extLst>
                 </a:gridCol>
@@ -17277,7 +17257,7 @@
                 </a:tc>
                 <a:extLst>
                   <a:ext uri="{0D108BD9-81ED-4DB2-BD59-A6C34878D82A}">
-                    <a16:rowId xmlns:a16="http://schemas.microsoft.com/office/drawing/2014/main" val="10000"/>
+                    <a16:rowId xmlns="" xmlns:a16="http://schemas.microsoft.com/office/drawing/2014/main" val="10000"/>
                   </a:ext>
                 </a:extLst>
               </a:tr>
@@ -17462,7 +17442,7 @@
                 </a:tc>
                 <a:extLst>
                   <a:ext uri="{0D108BD9-81ED-4DB2-BD59-A6C34878D82A}">
-                    <a16:rowId xmlns:a16="http://schemas.microsoft.com/office/drawing/2014/main" val="10001"/>
+                    <a16:rowId xmlns="" xmlns:a16="http://schemas.microsoft.com/office/drawing/2014/main" val="10001"/>
                   </a:ext>
                 </a:extLst>
               </a:tr>
@@ -17663,7 +17643,7 @@
                 </a:tc>
                 <a:extLst>
                   <a:ext uri="{0D108BD9-81ED-4DB2-BD59-A6C34878D82A}">
-                    <a16:rowId xmlns:a16="http://schemas.microsoft.com/office/drawing/2014/main" val="10002"/>
+                    <a16:rowId xmlns="" xmlns:a16="http://schemas.microsoft.com/office/drawing/2014/main" val="10002"/>
                   </a:ext>
                 </a:extLst>
               </a:tr>
@@ -17849,7 +17829,7 @@
                 </a:tc>
                 <a:extLst>
                   <a:ext uri="{0D108BD9-81ED-4DB2-BD59-A6C34878D82A}">
-                    <a16:rowId xmlns:a16="http://schemas.microsoft.com/office/drawing/2014/main" val="10003"/>
+                    <a16:rowId xmlns="" xmlns:a16="http://schemas.microsoft.com/office/drawing/2014/main" val="10003"/>
                   </a:ext>
                 </a:extLst>
               </a:tr>
@@ -17860,7 +17840,7 @@
     </p:spTree>
     <p:extLst>
       <p:ext uri="{BB962C8B-B14F-4D97-AF65-F5344CB8AC3E}">
-        <p14:creationId xmlns:p14="http://schemas.microsoft.com/office/powerpoint/2010/main" val="1828789936"/>
+        <p14:creationId xmlns="" xmlns:p14="http://schemas.microsoft.com/office/powerpoint/2010/main" val="1828789936"/>
       </p:ext>
     </p:extLst>
   </p:cSld>
@@ -18099,7 +18079,7 @@
     </p:spTree>
     <p:extLst>
       <p:ext uri="{BB962C8B-B14F-4D97-AF65-F5344CB8AC3E}">
-        <p14:creationId xmlns:p14="http://schemas.microsoft.com/office/powerpoint/2010/main" val="3150786371"/>
+        <p14:creationId xmlns="" xmlns:p14="http://schemas.microsoft.com/office/powerpoint/2010/main" val="3150786371"/>
       </p:ext>
     </p:extLst>
   </p:cSld>
